--- a/씨샵/씨샵피피티/제가 가공한 것/5단원.pptx
+++ b/씨샵/씨샵피피티/제가 가공한 것/5단원.pptx
@@ -168,7 +168,7 @@
   </p:defaultTextStyle>
   <p:extLst>
     <p:ext uri="{EFAFB233-063F-42B5-8137-9DF3F51BA10A}">
-      <p15:sldGuideLst xmlns:p15="http://schemas.microsoft.com/office/powerpoint/2012/main" xmlns="">
+      <p15:sldGuideLst xmlns:p15="http://schemas.microsoft.com/office/powerpoint/2012/main">
         <p15:guide id="1" orient="horz" pos="2160">
           <p15:clr>
             <a:srgbClr val="A4A3A4"/>
@@ -182,7 +182,7 @@
       </p15:sldGuideLst>
     </p:ext>
     <p:ext uri="{2D200454-40CA-4A62-9FC3-DE9A4176ACB9}">
-      <p15:notesGuideLst xmlns:p15="http://schemas.microsoft.com/office/powerpoint/2012/main" xmlns="">
+      <p15:notesGuideLst xmlns:p15="http://schemas.microsoft.com/office/powerpoint/2012/main">
         <p15:guide id="1" orient="horz" pos="2880">
           <p15:clr>
             <a:srgbClr val="A4A3A4"/>
@@ -282,7 +282,7 @@
             <a:fld id="{DC87C3E9-2372-4D2D-A8FE-578D26F0CAB8}" type="datetimeFigureOut">
               <a:rPr lang="ko-KR" altLang="en-US" smtClean="0"/>
               <a:pPr/>
-              <a:t>2020-05-20</a:t>
+              <a:t>2024-03-20</a:t>
             </a:fld>
             <a:endParaRPr lang="ko-KR" altLang="en-US"/>
           </a:p>
@@ -449,7 +449,7 @@
             <a:fld id="{05BC3899-2E4F-4D3A-8D29-BF4BDDE21DE2}" type="datetimeFigureOut">
               <a:rPr lang="ko-KR" altLang="en-US" smtClean="0"/>
               <a:pPr/>
-              <a:t>2020-05-20</a:t>
+              <a:t>2024-03-20</a:t>
             </a:fld>
             <a:endParaRPr lang="ko-KR" altLang="en-US"/>
           </a:p>
@@ -4586,7 +4586,7 @@
         <p:spPr/>
         <p:txBody>
           <a:bodyPr>
-            <a:normAutofit fontScale="92500" lnSpcReduction="10000"/>
+            <a:normAutofit/>
           </a:bodyPr>
           <a:lstStyle/>
           <a:p>
@@ -8683,7 +8683,7 @@
             <a:fld id="{4B2FD9B6-DC5A-4644-B01F-335E6DD2CDD1}" type="datetimeFigureOut">
               <a:rPr lang="ko-KR" altLang="en-US" smtClean="0"/>
               <a:pPr/>
-              <a:t>2020-05-20</a:t>
+              <a:t>2024-03-20</a:t>
             </a:fld>
             <a:endParaRPr lang="ko-KR" altLang="en-US" dirty="0"/>
           </a:p>
@@ -9302,6 +9302,13 @@
   <p:clrMapOvr>
     <a:masterClrMapping/>
   </p:clrMapOvr>
+  <p:timing>
+    <p:tnLst>
+      <p:par>
+        <p:cTn id="1" dur="indefinite" restart="never" nodeType="tmRoot"/>
+      </p:par>
+    </p:tnLst>
+  </p:timing>
 </p:sld>
 </file>
 
@@ -9469,6 +9476,13 @@
   <p:clrMapOvr>
     <a:masterClrMapping/>
   </p:clrMapOvr>
+  <p:timing>
+    <p:tnLst>
+      <p:par>
+        <p:cTn id="1" dur="indefinite" restart="never" nodeType="tmRoot"/>
+      </p:par>
+    </p:tnLst>
+  </p:timing>
 </p:sld>
 </file>
 
@@ -9707,6 +9721,13 @@
   <p:clrMapOvr>
     <a:masterClrMapping/>
   </p:clrMapOvr>
+  <p:timing>
+    <p:tnLst>
+      <p:par>
+        <p:cTn id="1" dur="indefinite" restart="never" nodeType="tmRoot"/>
+      </p:par>
+    </p:tnLst>
+  </p:timing>
 </p:sld>
 </file>
 
@@ -9854,6 +9875,13 @@
   <p:clrMapOvr>
     <a:masterClrMapping/>
   </p:clrMapOvr>
+  <p:timing>
+    <p:tnLst>
+      <p:par>
+        <p:cTn id="1" dur="indefinite" restart="never" nodeType="tmRoot"/>
+      </p:par>
+    </p:tnLst>
+  </p:timing>
 </p:sld>
 </file>
 
@@ -10045,6 +10073,13 @@
   <p:clrMapOvr>
     <a:masterClrMapping/>
   </p:clrMapOvr>
+  <p:timing>
+    <p:tnLst>
+      <p:par>
+        <p:cTn id="1" dur="indefinite" restart="never" nodeType="tmRoot"/>
+      </p:par>
+    </p:tnLst>
+  </p:timing>
 </p:sld>
 </file>
 
@@ -10198,6 +10233,13 @@
   <p:clrMapOvr>
     <a:masterClrMapping/>
   </p:clrMapOvr>
+  <p:timing>
+    <p:tnLst>
+      <p:par>
+        <p:cTn id="1" dur="indefinite" restart="never" nodeType="tmRoot"/>
+      </p:par>
+    </p:tnLst>
+  </p:timing>
 </p:sld>
 </file>
 
@@ -10366,6 +10408,13 @@
   <p:clrMapOvr>
     <a:masterClrMapping/>
   </p:clrMapOvr>
+  <p:timing>
+    <p:tnLst>
+      <p:par>
+        <p:cTn id="1" dur="indefinite" restart="never" nodeType="tmRoot"/>
+      </p:par>
+    </p:tnLst>
+  </p:timing>
 </p:sld>
 </file>
 
@@ -10563,6 +10612,13 @@
   <p:clrMapOvr>
     <a:masterClrMapping/>
   </p:clrMapOvr>
+  <p:timing>
+    <p:tnLst>
+      <p:par>
+        <p:cTn id="1" dur="indefinite" restart="never" nodeType="tmRoot"/>
+      </p:par>
+    </p:tnLst>
+  </p:timing>
 </p:sld>
 </file>
 
@@ -10726,6 +10782,13 @@
   <p:clrMapOvr>
     <a:masterClrMapping/>
   </p:clrMapOvr>
+  <p:timing>
+    <p:tnLst>
+      <p:par>
+        <p:cTn id="1" dur="indefinite" restart="never" nodeType="tmRoot"/>
+      </p:par>
+    </p:tnLst>
+  </p:timing>
 </p:sld>
 </file>
 
@@ -10920,6 +10983,13 @@
   <p:clrMapOvr>
     <a:masterClrMapping/>
   </p:clrMapOvr>
+  <p:timing>
+    <p:tnLst>
+      <p:par>
+        <p:cTn id="1" dur="indefinite" restart="never" nodeType="tmRoot"/>
+      </p:par>
+    </p:tnLst>
+  </p:timing>
 </p:sld>
 </file>
 
@@ -11183,6 +11253,13 @@
   <p:clrMapOvr>
     <a:masterClrMapping/>
   </p:clrMapOvr>
+  <p:timing>
+    <p:tnLst>
+      <p:par>
+        <p:cTn id="1" dur="indefinite" restart="never" nodeType="tmRoot"/>
+      </p:par>
+    </p:tnLst>
+  </p:timing>
 </p:sld>
 </file>
 
@@ -11306,6 +11383,13 @@
   <p:clrMapOvr>
     <a:masterClrMapping/>
   </p:clrMapOvr>
+  <p:timing>
+    <p:tnLst>
+      <p:par>
+        <p:cTn id="1" dur="indefinite" restart="never" nodeType="tmRoot"/>
+      </p:par>
+    </p:tnLst>
+  </p:timing>
 </p:sld>
 </file>
 
@@ -11571,6 +11655,13 @@
   <p:clrMapOvr>
     <a:masterClrMapping/>
   </p:clrMapOvr>
+  <p:timing>
+    <p:tnLst>
+      <p:par>
+        <p:cTn id="1" dur="indefinite" restart="never" nodeType="tmRoot"/>
+      </p:par>
+    </p:tnLst>
+  </p:timing>
 </p:sld>
 </file>
 
@@ -11912,6 +12003,13 @@
   <p:clrMapOvr>
     <a:masterClrMapping/>
   </p:clrMapOvr>
+  <p:timing>
+    <p:tnLst>
+      <p:par>
+        <p:cTn id="1" dur="indefinite" restart="never" nodeType="tmRoot"/>
+      </p:par>
+    </p:tnLst>
+  </p:timing>
 </p:sld>
 </file>
 
@@ -12109,6 +12207,13 @@
   <p:clrMapOvr>
     <a:masterClrMapping/>
   </p:clrMapOvr>
+  <p:timing>
+    <p:tnLst>
+      <p:par>
+        <p:cTn id="1" dur="indefinite" restart="never" nodeType="tmRoot"/>
+      </p:par>
+    </p:tnLst>
+  </p:timing>
 </p:sld>
 </file>
 
@@ -12385,6 +12490,13 @@
   <p:clrMapOvr>
     <a:masterClrMapping/>
   </p:clrMapOvr>
+  <p:timing>
+    <p:tnLst>
+      <p:par>
+        <p:cTn id="1" dur="indefinite" restart="never" nodeType="tmRoot"/>
+      </p:par>
+    </p:tnLst>
+  </p:timing>
 </p:sld>
 </file>
 
@@ -12527,6 +12639,13 @@
   <p:clrMapOvr>
     <a:masterClrMapping/>
   </p:clrMapOvr>
+  <p:timing>
+    <p:tnLst>
+      <p:par>
+        <p:cTn id="1" dur="indefinite" restart="never" nodeType="tmRoot"/>
+      </p:par>
+    </p:tnLst>
+  </p:timing>
 </p:sld>
 </file>
 
@@ -12723,6 +12842,13 @@
   <p:clrMapOvr>
     <a:masterClrMapping/>
   </p:clrMapOvr>
+  <p:timing>
+    <p:tnLst>
+      <p:par>
+        <p:cTn id="1" dur="indefinite" restart="never" nodeType="tmRoot"/>
+      </p:par>
+    </p:tnLst>
+  </p:timing>
 </p:sld>
 </file>
 
@@ -12916,6 +13042,13 @@
   <p:clrMapOvr>
     <a:masterClrMapping/>
   </p:clrMapOvr>
+  <p:timing>
+    <p:tnLst>
+      <p:par>
+        <p:cTn id="1" dur="indefinite" restart="never" nodeType="tmRoot"/>
+      </p:par>
+    </p:tnLst>
+  </p:timing>
 </p:sld>
 </file>
 
@@ -13193,6 +13326,13 @@
   <p:clrMapOvr>
     <a:masterClrMapping/>
   </p:clrMapOvr>
+  <p:timing>
+    <p:tnLst>
+      <p:par>
+        <p:cTn id="1" dur="indefinite" restart="never" nodeType="tmRoot"/>
+      </p:par>
+    </p:tnLst>
+  </p:timing>
 </p:sld>
 </file>
 
@@ -13512,6 +13652,13 @@
   <p:clrMapOvr>
     <a:masterClrMapping/>
   </p:clrMapOvr>
+  <p:timing>
+    <p:tnLst>
+      <p:par>
+        <p:cTn id="1" dur="indefinite" restart="never" nodeType="tmRoot"/>
+      </p:par>
+    </p:tnLst>
+  </p:timing>
 </p:sld>
 </file>
 
@@ -13870,6 +14017,13 @@
   <p:clrMapOvr>
     <a:masterClrMapping/>
   </p:clrMapOvr>
+  <p:timing>
+    <p:tnLst>
+      <p:par>
+        <p:cTn id="1" dur="indefinite" restart="never" nodeType="tmRoot"/>
+      </p:par>
+    </p:tnLst>
+  </p:timing>
 </p:sld>
 </file>
 
@@ -14082,6 +14236,13 @@
   <p:clrMapOvr>
     <a:masterClrMapping/>
   </p:clrMapOvr>
+  <p:timing>
+    <p:tnLst>
+      <p:par>
+        <p:cTn id="1" dur="indefinite" restart="never" nodeType="tmRoot"/>
+      </p:par>
+    </p:tnLst>
+  </p:timing>
 </p:sld>
 </file>
 
@@ -14231,6 +14392,13 @@
   <p:clrMapOvr>
     <a:masterClrMapping/>
   </p:clrMapOvr>
+  <p:timing>
+    <p:tnLst>
+      <p:par>
+        <p:cTn id="1" dur="indefinite" restart="never" nodeType="tmRoot"/>
+      </p:par>
+    </p:tnLst>
+  </p:timing>
 </p:sld>
 </file>
 
@@ -14392,6 +14560,13 @@
   <p:clrMapOvr>
     <a:masterClrMapping/>
   </p:clrMapOvr>
+  <p:timing>
+    <p:tnLst>
+      <p:par>
+        <p:cTn id="1" dur="indefinite" restart="never" nodeType="tmRoot"/>
+      </p:par>
+    </p:tnLst>
+  </p:timing>
 </p:sld>
 </file>
 
@@ -14701,6 +14876,13 @@
   <p:clrMapOvr>
     <a:masterClrMapping/>
   </p:clrMapOvr>
+  <p:timing>
+    <p:tnLst>
+      <p:par>
+        <p:cTn id="1" dur="indefinite" restart="never" nodeType="tmRoot"/>
+      </p:par>
+    </p:tnLst>
+  </p:timing>
 </p:sld>
 </file>
 
@@ -14815,6 +14997,13 @@
   <p:clrMapOvr>
     <a:masterClrMapping/>
   </p:clrMapOvr>
+  <p:timing>
+    <p:tnLst>
+      <p:par>
+        <p:cTn id="1" dur="indefinite" restart="never" nodeType="tmRoot"/>
+      </p:par>
+    </p:tnLst>
+  </p:timing>
 </p:sld>
 </file>
 
@@ -15139,6 +15328,13 @@
   <p:clrMapOvr>
     <a:masterClrMapping/>
   </p:clrMapOvr>
+  <p:timing>
+    <p:tnLst>
+      <p:par>
+        <p:cTn id="1" dur="indefinite" restart="never" nodeType="tmRoot"/>
+      </p:par>
+    </p:tnLst>
+  </p:timing>
 </p:sld>
 </file>
 
@@ -15578,6 +15774,13 @@
   <p:clrMapOvr>
     <a:masterClrMapping/>
   </p:clrMapOvr>
+  <p:timing>
+    <p:tnLst>
+      <p:par>
+        <p:cTn id="1" dur="indefinite" restart="never" nodeType="tmRoot"/>
+      </p:par>
+    </p:tnLst>
+  </p:timing>
 </p:sld>
 </file>
 
@@ -15776,6 +15979,13 @@
   <p:clrMapOvr>
     <a:masterClrMapping/>
   </p:clrMapOvr>
+  <p:timing>
+    <p:tnLst>
+      <p:par>
+        <p:cTn id="1" dur="indefinite" restart="never" nodeType="tmRoot"/>
+      </p:par>
+    </p:tnLst>
+  </p:timing>
 </p:sld>
 </file>
 
@@ -16067,6 +16277,13 @@
   <p:clrMapOvr>
     <a:masterClrMapping/>
   </p:clrMapOvr>
+  <p:timing>
+    <p:tnLst>
+      <p:par>
+        <p:cTn id="1" dur="indefinite" restart="never" nodeType="tmRoot"/>
+      </p:par>
+    </p:tnLst>
+  </p:timing>
 </p:sld>
 </file>
 
@@ -16297,6 +16514,13 @@
   <p:clrMapOvr>
     <a:masterClrMapping/>
   </p:clrMapOvr>
+  <p:timing>
+    <p:tnLst>
+      <p:par>
+        <p:cTn id="1" dur="indefinite" restart="never" nodeType="tmRoot"/>
+      </p:par>
+    </p:tnLst>
+  </p:timing>
 </p:sld>
 </file>
 
@@ -16573,6 +16797,13 @@
   <p:clrMapOvr>
     <a:masterClrMapping/>
   </p:clrMapOvr>
+  <p:timing>
+    <p:tnLst>
+      <p:par>
+        <p:cTn id="1" dur="indefinite" restart="never" nodeType="tmRoot"/>
+      </p:par>
+    </p:tnLst>
+  </p:timing>
 </p:sld>
 </file>
 
@@ -16719,6 +16950,13 @@
   <p:clrMapOvr>
     <a:masterClrMapping/>
   </p:clrMapOvr>
+  <p:timing>
+    <p:tnLst>
+      <p:par>
+        <p:cTn id="1" dur="indefinite" restart="never" nodeType="tmRoot"/>
+      </p:par>
+    </p:tnLst>
+  </p:timing>
 </p:sld>
 </file>
 
@@ -16931,6 +17169,13 @@
   <p:clrMapOvr>
     <a:masterClrMapping/>
   </p:clrMapOvr>
+  <p:timing>
+    <p:tnLst>
+      <p:par>
+        <p:cTn id="1" dur="indefinite" restart="never" nodeType="tmRoot"/>
+      </p:par>
+    </p:tnLst>
+  </p:timing>
 </p:sld>
 </file>
 
@@ -17207,6 +17452,13 @@
   <p:clrMapOvr>
     <a:masterClrMapping/>
   </p:clrMapOvr>
+  <p:timing>
+    <p:tnLst>
+      <p:par>
+        <p:cTn id="1" dur="indefinite" restart="never" nodeType="tmRoot"/>
+      </p:par>
+    </p:tnLst>
+  </p:timing>
 </p:sld>
 </file>
 
@@ -17464,6 +17716,13 @@
   <p:clrMapOvr>
     <a:masterClrMapping/>
   </p:clrMapOvr>
+  <p:timing>
+    <p:tnLst>
+      <p:par>
+        <p:cTn id="1" dur="indefinite" restart="never" nodeType="tmRoot"/>
+      </p:par>
+    </p:tnLst>
+  </p:timing>
 </p:sld>
 </file>
 
@@ -17669,6 +17928,13 @@
   <p:clrMapOvr>
     <a:masterClrMapping/>
   </p:clrMapOvr>
+  <p:timing>
+    <p:tnLst>
+      <p:par>
+        <p:cTn id="1" dur="indefinite" restart="never" nodeType="tmRoot"/>
+      </p:par>
+    </p:tnLst>
+  </p:timing>
 </p:sld>
 </file>
 
@@ -18051,6 +18317,13 @@
   <p:clrMapOvr>
     <a:masterClrMapping/>
   </p:clrMapOvr>
+  <p:timing>
+    <p:tnLst>
+      <p:par>
+        <p:cTn id="1" dur="indefinite" restart="never" nodeType="tmRoot"/>
+      </p:par>
+    </p:tnLst>
+  </p:timing>
 </p:sld>
 </file>
 
@@ -18236,6 +18509,13 @@
   <p:clrMapOvr>
     <a:masterClrMapping/>
   </p:clrMapOvr>
+  <p:timing>
+    <p:tnLst>
+      <p:par>
+        <p:cTn id="1" dur="indefinite" restart="never" nodeType="tmRoot"/>
+      </p:par>
+    </p:tnLst>
+  </p:timing>
 </p:sld>
 </file>
 
@@ -18460,6 +18740,13 @@
   <p:clrMapOvr>
     <a:masterClrMapping/>
   </p:clrMapOvr>
+  <p:timing>
+    <p:tnLst>
+      <p:par>
+        <p:cTn id="1" dur="indefinite" restart="never" nodeType="tmRoot"/>
+      </p:par>
+    </p:tnLst>
+  </p:timing>
 </p:sld>
 </file>
 
@@ -18588,6 +18875,13 @@
   <p:clrMapOvr>
     <a:masterClrMapping/>
   </p:clrMapOvr>
+  <p:timing>
+    <p:tnLst>
+      <p:par>
+        <p:cTn id="1" dur="indefinite" restart="never" nodeType="tmRoot"/>
+      </p:par>
+    </p:tnLst>
+  </p:timing>
 </p:sld>
 </file>
 
@@ -18822,6 +19116,13 @@
   <p:clrMapOvr>
     <a:masterClrMapping/>
   </p:clrMapOvr>
+  <p:timing>
+    <p:tnLst>
+      <p:par>
+        <p:cTn id="1" dur="indefinite" restart="never" nodeType="tmRoot"/>
+      </p:par>
+    </p:tnLst>
+  </p:timing>
 </p:sld>
 </file>
 
@@ -19017,6 +19318,13 @@
   <p:clrMapOvr>
     <a:masterClrMapping/>
   </p:clrMapOvr>
+  <p:timing>
+    <p:tnLst>
+      <p:par>
+        <p:cTn id="1" dur="indefinite" restart="never" nodeType="tmRoot"/>
+      </p:par>
+    </p:tnLst>
+  </p:timing>
 </p:sld>
 </file>
 
@@ -19339,6 +19647,13 @@
   <p:clrMapOvr>
     <a:masterClrMapping/>
   </p:clrMapOvr>
+  <p:timing>
+    <p:tnLst>
+      <p:par>
+        <p:cTn id="1" dur="indefinite" restart="never" nodeType="tmRoot"/>
+      </p:par>
+    </p:tnLst>
+  </p:timing>
 </p:sld>
 </file>
 
@@ -19556,6 +19871,13 @@
   <p:clrMapOvr>
     <a:masterClrMapping/>
   </p:clrMapOvr>
+  <p:timing>
+    <p:tnLst>
+      <p:par>
+        <p:cTn id="1" dur="indefinite" restart="never" nodeType="tmRoot"/>
+      </p:par>
+    </p:tnLst>
+  </p:timing>
 </p:sld>
 </file>
 
@@ -19840,6 +20162,13 @@
   <p:clrMapOvr>
     <a:masterClrMapping/>
   </p:clrMapOvr>
+  <p:timing>
+    <p:tnLst>
+      <p:par>
+        <p:cTn id="1" dur="indefinite" restart="never" nodeType="tmRoot"/>
+      </p:par>
+    </p:tnLst>
+  </p:timing>
 </p:sld>
 </file>
 
@@ -20040,6 +20369,13 @@
   <p:clrMapOvr>
     <a:masterClrMapping/>
   </p:clrMapOvr>
+  <p:timing>
+    <p:tnLst>
+      <p:par>
+        <p:cTn id="1" dur="indefinite" restart="never" nodeType="tmRoot"/>
+      </p:par>
+    </p:tnLst>
+  </p:timing>
 </p:sld>
 </file>
 
@@ -20351,6 +20687,13 @@
   <p:clrMapOvr>
     <a:masterClrMapping/>
   </p:clrMapOvr>
+  <p:timing>
+    <p:tnLst>
+      <p:par>
+        <p:cTn id="1" dur="indefinite" restart="never" nodeType="tmRoot"/>
+      </p:par>
+    </p:tnLst>
+  </p:timing>
 </p:sld>
 </file>
 
@@ -20570,6 +20913,13 @@
   <p:clrMapOvr>
     <a:masterClrMapping/>
   </p:clrMapOvr>
+  <p:timing>
+    <p:tnLst>
+      <p:par>
+        <p:cTn id="1" dur="indefinite" restart="never" nodeType="tmRoot"/>
+      </p:par>
+    </p:tnLst>
+  </p:timing>
 </p:sld>
 </file>
 
@@ -20837,6 +21187,13 @@
   <p:clrMapOvr>
     <a:masterClrMapping/>
   </p:clrMapOvr>
+  <p:timing>
+    <p:tnLst>
+      <p:par>
+        <p:cTn id="1" dur="indefinite" restart="never" nodeType="tmRoot"/>
+      </p:par>
+    </p:tnLst>
+  </p:timing>
 </p:sld>
 </file>
 
@@ -20897,23 +21254,15 @@
             </a:r>
             <a:r>
               <a:rPr lang="ko-KR" altLang="en-US" dirty="0"/>
-              <a:t>함수를 이용하여 숫자 맞추기 프로그램</a:t>
-            </a:r>
-            <a:r>
-              <a:rPr lang="en-US" altLang="ko-KR" dirty="0"/>
-              <a:t>(</a:t>
-            </a:r>
-            <a:r>
-              <a:rPr lang="ko-KR" altLang="en-US" dirty="0"/>
-              <a:t>책</a:t>
-            </a:r>
-            <a:r>
-              <a:rPr lang="en-US" altLang="ko-KR" dirty="0"/>
-              <a:t>247page)</a:t>
-            </a:r>
-            <a:r>
-              <a:rPr lang="ko-KR" altLang="en-US" dirty="0"/>
-              <a:t>을 </a:t>
+              <a:t>함수를 이용하여 숫자 </a:t>
+            </a:r>
+            <a:r>
+              <a:rPr lang="ko-KR" altLang="en-US"/>
+              <a:t>맞추기 </a:t>
+            </a:r>
+            <a:r>
+              <a:rPr lang="ko-KR" altLang="en-US" smtClean="0"/>
+              <a:t>프로그램을 </a:t>
             </a:r>
             <a:r>
               <a:rPr lang="en-US" altLang="ko-KR" dirty="0"/>
@@ -20985,6 +21334,13 @@
   <p:clrMapOvr>
     <a:masterClrMapping/>
   </p:clrMapOvr>
+  <p:timing>
+    <p:tnLst>
+      <p:par>
+        <p:cTn id="1" dur="indefinite" restart="never" nodeType="tmRoot"/>
+      </p:par>
+    </p:tnLst>
+  </p:timing>
 </p:sld>
 </file>
 
@@ -21018,6 +21374,13 @@
   <p:clrMapOvr>
     <a:masterClrMapping/>
   </p:clrMapOvr>
+  <p:timing>
+    <p:tnLst>
+      <p:par>
+        <p:cTn id="1" dur="indefinite" restart="never" nodeType="tmRoot"/>
+      </p:par>
+    </p:tnLst>
+  </p:timing>
 </p:sld>
 </file>
 
@@ -21195,6 +21558,13 @@
   <p:clrMapOvr>
     <a:masterClrMapping/>
   </p:clrMapOvr>
+  <p:timing>
+    <p:tnLst>
+      <p:par>
+        <p:cTn id="1" dur="indefinite" restart="never" nodeType="tmRoot"/>
+      </p:par>
+    </p:tnLst>
+  </p:timing>
 </p:sld>
 </file>
 
@@ -21381,6 +21751,13 @@
   <p:clrMapOvr>
     <a:masterClrMapping/>
   </p:clrMapOvr>
+  <p:timing>
+    <p:tnLst>
+      <p:par>
+        <p:cTn id="1" dur="indefinite" restart="never" nodeType="tmRoot"/>
+      </p:par>
+    </p:tnLst>
+  </p:timing>
 </p:sld>
 </file>
 
@@ -21711,6 +22088,13 @@
   <p:clrMapOvr>
     <a:masterClrMapping/>
   </p:clrMapOvr>
+  <p:timing>
+    <p:tnLst>
+      <p:par>
+        <p:cTn id="1" dur="indefinite" restart="never" nodeType="tmRoot"/>
+      </p:par>
+    </p:tnLst>
+  </p:timing>
 </p:sld>
 </file>
 
@@ -22056,6 +22440,13 @@
   <p:clrMapOvr>
     <a:masterClrMapping/>
   </p:clrMapOvr>
+  <p:timing>
+    <p:tnLst>
+      <p:par>
+        <p:cTn id="1" dur="indefinite" restart="never" nodeType="tmRoot"/>
+      </p:par>
+    </p:tnLst>
+  </p:timing>
 </p:sld>
 </file>
 
@@ -22960,7 +23351,7 @@
   <a:extraClrSchemeLst/>
   <a:extLst>
     <a:ext uri="{05A4C25C-085E-4340-85A3-A5531E510DB2}">
-      <thm15:themeFamily xmlns:thm15="http://schemas.microsoft.com/office/thememl/2012/main" xmlns="" name="Office Theme" id="{62F939B6-93AF-4DB8-9C6B-D6C7DFDC589F}" vid="{4A3C46E8-61CC-4603-A589-7422A47A8E4A}"/>
+      <thm15:themeFamily xmlns:thm15="http://schemas.microsoft.com/office/thememl/2012/main" name="Office Theme" id="{62F939B6-93AF-4DB8-9C6B-D6C7DFDC589F}" vid="{4A3C46E8-61CC-4603-A589-7422A47A8E4A}"/>
     </a:ext>
   </a:extLst>
 </a:theme>
